--- a/ppt 16-9/1593.荣耀归主.pptx
+++ b/ppt 16-9/1593.荣耀归主.pptx
@@ -5,7 +5,7 @@
     <p:sldMasterId id="2147483648" r:id="rId1"/>
   </p:sldMasterIdLst>
   <p:sldIdLst>
-    <p:sldId id="3451" r:id="rId2"/>
+    <p:sldId id="3453" r:id="rId2"/>
   </p:sldIdLst>
   <p:sldSz cx="12192000" cy="6858000"/>
   <p:notesSz cx="6858000" cy="9144000"/>
@@ -129,7 +129,7 @@
           <p:cNvPr id="2" name="标题 1">
             <a:extLst>
               <a:ext uri="{FF2B5EF4-FFF2-40B4-BE49-F238E27FC236}">
-                <a16:creationId xmlns:a16="http://schemas.microsoft.com/office/drawing/2014/main" id="{E0F774F2-4737-0246-3042-DE31B4B430EC}"/>
+                <a16:creationId xmlns:a16="http://schemas.microsoft.com/office/drawing/2014/main" id="{5A53D09D-EE93-E07E-5ADF-64B589AC830F}"/>
               </a:ext>
             </a:extLst>
           </p:cNvPr>
@@ -166,7 +166,7 @@
           <p:cNvPr id="3" name="副标题 2">
             <a:extLst>
               <a:ext uri="{FF2B5EF4-FFF2-40B4-BE49-F238E27FC236}">
-                <a16:creationId xmlns:a16="http://schemas.microsoft.com/office/drawing/2014/main" id="{A9D6083E-BACE-D41F-ACF3-C1C05548C008}"/>
+                <a16:creationId xmlns:a16="http://schemas.microsoft.com/office/drawing/2014/main" id="{AD8AD678-6390-D7F8-8B32-1E54119532F4}"/>
               </a:ext>
             </a:extLst>
           </p:cNvPr>
@@ -236,7 +236,7 @@
           <p:cNvPr id="4" name="日期占位符 3">
             <a:extLst>
               <a:ext uri="{FF2B5EF4-FFF2-40B4-BE49-F238E27FC236}">
-                <a16:creationId xmlns:a16="http://schemas.microsoft.com/office/drawing/2014/main" id="{DE70464C-8748-2185-BF91-52A7796D6AA0}"/>
+                <a16:creationId xmlns:a16="http://schemas.microsoft.com/office/drawing/2014/main" id="{1624395F-1081-618B-6CE2-92067034CD92}"/>
               </a:ext>
             </a:extLst>
           </p:cNvPr>
@@ -252,7 +252,7 @@
           <a:bodyPr/>
           <a:lstStyle/>
           <a:p>
-            <a:fld id="{ECDF0BF8-C4FC-40E8-8448-FF4DB45EC977}" type="datetimeFigureOut">
+            <a:fld id="{FF1E498F-0326-403D-B15B-13A1256875DA}" type="datetimeFigureOut">
               <a:rPr lang="zh-CN" altLang="en-US" smtClean="0"/>
               <a:t>2024/3/10</a:t>
             </a:fld>
@@ -265,7 +265,7 @@
           <p:cNvPr id="5" name="页脚占位符 4">
             <a:extLst>
               <a:ext uri="{FF2B5EF4-FFF2-40B4-BE49-F238E27FC236}">
-                <a16:creationId xmlns:a16="http://schemas.microsoft.com/office/drawing/2014/main" id="{7F530F45-52AE-713C-8AB3-4764325FE064}"/>
+                <a16:creationId xmlns:a16="http://schemas.microsoft.com/office/drawing/2014/main" id="{BB413968-2A60-6468-4015-BB8A2E035216}"/>
               </a:ext>
             </a:extLst>
           </p:cNvPr>
@@ -290,7 +290,7 @@
           <p:cNvPr id="6" name="灯片编号占位符 5">
             <a:extLst>
               <a:ext uri="{FF2B5EF4-FFF2-40B4-BE49-F238E27FC236}">
-                <a16:creationId xmlns:a16="http://schemas.microsoft.com/office/drawing/2014/main" id="{DBCBAFD2-988F-088A-F589-301BF1E672B3}"/>
+                <a16:creationId xmlns:a16="http://schemas.microsoft.com/office/drawing/2014/main" id="{632ACF21-FC1C-FE5F-5CB1-0AFF322249B3}"/>
               </a:ext>
             </a:extLst>
           </p:cNvPr>
@@ -306,7 +306,7 @@
           <a:bodyPr/>
           <a:lstStyle/>
           <a:p>
-            <a:fld id="{94AD3378-9226-4B94-AA15-5A7E5B0B3B26}" type="slidenum">
+            <a:fld id="{36A5948D-4012-402C-8C3C-43073AC98CC4}" type="slidenum">
               <a:rPr lang="zh-CN" altLang="en-US" smtClean="0"/>
               <a:t>‹#›</a:t>
             </a:fld>
@@ -317,7 +317,7 @@
     </p:spTree>
     <p:extLst>
       <p:ext uri="{BB962C8B-B14F-4D97-AF65-F5344CB8AC3E}">
-        <p14:creationId xmlns:p14="http://schemas.microsoft.com/office/powerpoint/2010/main" val="1777817020"/>
+        <p14:creationId xmlns:p14="http://schemas.microsoft.com/office/powerpoint/2010/main" val="3889419074"/>
       </p:ext>
     </p:extLst>
   </p:cSld>
@@ -349,7 +349,7 @@
           <p:cNvPr id="2" name="标题 1">
             <a:extLst>
               <a:ext uri="{FF2B5EF4-FFF2-40B4-BE49-F238E27FC236}">
-                <a16:creationId xmlns:a16="http://schemas.microsoft.com/office/drawing/2014/main" id="{B97E9A9F-F54B-383C-46DD-E6D0DFD6B202}"/>
+                <a16:creationId xmlns:a16="http://schemas.microsoft.com/office/drawing/2014/main" id="{E351F2E4-058E-10E2-B47C-53FF4013574E}"/>
               </a:ext>
             </a:extLst>
           </p:cNvPr>
@@ -377,7 +377,7 @@
           <p:cNvPr id="3" name="竖排文字占位符 2">
             <a:extLst>
               <a:ext uri="{FF2B5EF4-FFF2-40B4-BE49-F238E27FC236}">
-                <a16:creationId xmlns:a16="http://schemas.microsoft.com/office/drawing/2014/main" id="{95D8544A-95A2-3798-400C-371673D5520F}"/>
+                <a16:creationId xmlns:a16="http://schemas.microsoft.com/office/drawing/2014/main" id="{0E45884F-E212-FEE8-651C-0CE2CAF57976}"/>
               </a:ext>
             </a:extLst>
           </p:cNvPr>
@@ -434,7 +434,7 @@
           <p:cNvPr id="4" name="日期占位符 3">
             <a:extLst>
               <a:ext uri="{FF2B5EF4-FFF2-40B4-BE49-F238E27FC236}">
-                <a16:creationId xmlns:a16="http://schemas.microsoft.com/office/drawing/2014/main" id="{9F0FA07F-0174-B4C2-6BCE-A90E74B8E189}"/>
+                <a16:creationId xmlns:a16="http://schemas.microsoft.com/office/drawing/2014/main" id="{BB6359F3-2749-3D9A-62A0-B14944A7B62B}"/>
               </a:ext>
             </a:extLst>
           </p:cNvPr>
@@ -450,7 +450,7 @@
           <a:bodyPr/>
           <a:lstStyle/>
           <a:p>
-            <a:fld id="{ECDF0BF8-C4FC-40E8-8448-FF4DB45EC977}" type="datetimeFigureOut">
+            <a:fld id="{FF1E498F-0326-403D-B15B-13A1256875DA}" type="datetimeFigureOut">
               <a:rPr lang="zh-CN" altLang="en-US" smtClean="0"/>
               <a:t>2024/3/10</a:t>
             </a:fld>
@@ -463,7 +463,7 @@
           <p:cNvPr id="5" name="页脚占位符 4">
             <a:extLst>
               <a:ext uri="{FF2B5EF4-FFF2-40B4-BE49-F238E27FC236}">
-                <a16:creationId xmlns:a16="http://schemas.microsoft.com/office/drawing/2014/main" id="{BC659460-0CBB-5780-0229-DEFEBEAE6CFF}"/>
+                <a16:creationId xmlns:a16="http://schemas.microsoft.com/office/drawing/2014/main" id="{4FB2A7C3-7951-933A-0D1D-ADF2E7B127C6}"/>
               </a:ext>
             </a:extLst>
           </p:cNvPr>
@@ -488,7 +488,7 @@
           <p:cNvPr id="6" name="灯片编号占位符 5">
             <a:extLst>
               <a:ext uri="{FF2B5EF4-FFF2-40B4-BE49-F238E27FC236}">
-                <a16:creationId xmlns:a16="http://schemas.microsoft.com/office/drawing/2014/main" id="{ED98AED7-1D3B-606D-2C9F-13D76F924C63}"/>
+                <a16:creationId xmlns:a16="http://schemas.microsoft.com/office/drawing/2014/main" id="{6B940D98-1D0E-1A0E-4C7D-5D54BA3DA0B3}"/>
               </a:ext>
             </a:extLst>
           </p:cNvPr>
@@ -504,7 +504,7 @@
           <a:bodyPr/>
           <a:lstStyle/>
           <a:p>
-            <a:fld id="{94AD3378-9226-4B94-AA15-5A7E5B0B3B26}" type="slidenum">
+            <a:fld id="{36A5948D-4012-402C-8C3C-43073AC98CC4}" type="slidenum">
               <a:rPr lang="zh-CN" altLang="en-US" smtClean="0"/>
               <a:t>‹#›</a:t>
             </a:fld>
@@ -515,7 +515,7 @@
     </p:spTree>
     <p:extLst>
       <p:ext uri="{BB962C8B-B14F-4D97-AF65-F5344CB8AC3E}">
-        <p14:creationId xmlns:p14="http://schemas.microsoft.com/office/powerpoint/2010/main" val="3907559089"/>
+        <p14:creationId xmlns:p14="http://schemas.microsoft.com/office/powerpoint/2010/main" val="2228248640"/>
       </p:ext>
     </p:extLst>
   </p:cSld>
@@ -547,7 +547,7 @@
           <p:cNvPr id="2" name="竖排标题 1">
             <a:extLst>
               <a:ext uri="{FF2B5EF4-FFF2-40B4-BE49-F238E27FC236}">
-                <a16:creationId xmlns:a16="http://schemas.microsoft.com/office/drawing/2014/main" id="{B9B60631-0000-47FB-55C0-A5FB346FEA39}"/>
+                <a16:creationId xmlns:a16="http://schemas.microsoft.com/office/drawing/2014/main" id="{2E97DC03-4536-7F44-BDF6-7891EE97B515}"/>
               </a:ext>
             </a:extLst>
           </p:cNvPr>
@@ -580,7 +580,7 @@
           <p:cNvPr id="3" name="竖排文字占位符 2">
             <a:extLst>
               <a:ext uri="{FF2B5EF4-FFF2-40B4-BE49-F238E27FC236}">
-                <a16:creationId xmlns:a16="http://schemas.microsoft.com/office/drawing/2014/main" id="{5869F501-9184-54EE-6B67-FDFC2CAD8E99}"/>
+                <a16:creationId xmlns:a16="http://schemas.microsoft.com/office/drawing/2014/main" id="{051DAAF0-AFCD-C2BE-7B13-9C0AC0E0E330}"/>
               </a:ext>
             </a:extLst>
           </p:cNvPr>
@@ -642,7 +642,7 @@
           <p:cNvPr id="4" name="日期占位符 3">
             <a:extLst>
               <a:ext uri="{FF2B5EF4-FFF2-40B4-BE49-F238E27FC236}">
-                <a16:creationId xmlns:a16="http://schemas.microsoft.com/office/drawing/2014/main" id="{B5F1EB03-BD10-FCEF-B178-39AA14795F2E}"/>
+                <a16:creationId xmlns:a16="http://schemas.microsoft.com/office/drawing/2014/main" id="{E5F3A811-25C5-8489-68F6-F6A01FC00C78}"/>
               </a:ext>
             </a:extLst>
           </p:cNvPr>
@@ -658,7 +658,7 @@
           <a:bodyPr/>
           <a:lstStyle/>
           <a:p>
-            <a:fld id="{ECDF0BF8-C4FC-40E8-8448-FF4DB45EC977}" type="datetimeFigureOut">
+            <a:fld id="{FF1E498F-0326-403D-B15B-13A1256875DA}" type="datetimeFigureOut">
               <a:rPr lang="zh-CN" altLang="en-US" smtClean="0"/>
               <a:t>2024/3/10</a:t>
             </a:fld>
@@ -671,7 +671,7 @@
           <p:cNvPr id="5" name="页脚占位符 4">
             <a:extLst>
               <a:ext uri="{FF2B5EF4-FFF2-40B4-BE49-F238E27FC236}">
-                <a16:creationId xmlns:a16="http://schemas.microsoft.com/office/drawing/2014/main" id="{3D8C0086-FAE2-C9FC-079C-3D2E4E122E4E}"/>
+                <a16:creationId xmlns:a16="http://schemas.microsoft.com/office/drawing/2014/main" id="{59E65A41-33EE-27A2-D95D-1A8328173562}"/>
               </a:ext>
             </a:extLst>
           </p:cNvPr>
@@ -696,7 +696,7 @@
           <p:cNvPr id="6" name="灯片编号占位符 5">
             <a:extLst>
               <a:ext uri="{FF2B5EF4-FFF2-40B4-BE49-F238E27FC236}">
-                <a16:creationId xmlns:a16="http://schemas.microsoft.com/office/drawing/2014/main" id="{12EE241B-D2C3-7085-D24A-B6D16B60C5AB}"/>
+                <a16:creationId xmlns:a16="http://schemas.microsoft.com/office/drawing/2014/main" id="{7E92A422-3D41-7D6B-38F1-648262ABC3B6}"/>
               </a:ext>
             </a:extLst>
           </p:cNvPr>
@@ -712,7 +712,7 @@
           <a:bodyPr/>
           <a:lstStyle/>
           <a:p>
-            <a:fld id="{94AD3378-9226-4B94-AA15-5A7E5B0B3B26}" type="slidenum">
+            <a:fld id="{36A5948D-4012-402C-8C3C-43073AC98CC4}" type="slidenum">
               <a:rPr lang="zh-CN" altLang="en-US" smtClean="0"/>
               <a:t>‹#›</a:t>
             </a:fld>
@@ -723,7 +723,7 @@
     </p:spTree>
     <p:extLst>
       <p:ext uri="{BB962C8B-B14F-4D97-AF65-F5344CB8AC3E}">
-        <p14:creationId xmlns:p14="http://schemas.microsoft.com/office/powerpoint/2010/main" val="969310831"/>
+        <p14:creationId xmlns:p14="http://schemas.microsoft.com/office/powerpoint/2010/main" val="2750988455"/>
       </p:ext>
     </p:extLst>
   </p:cSld>
@@ -755,7 +755,7 @@
           <p:cNvPr id="2" name="标题 1">
             <a:extLst>
               <a:ext uri="{FF2B5EF4-FFF2-40B4-BE49-F238E27FC236}">
-                <a16:creationId xmlns:a16="http://schemas.microsoft.com/office/drawing/2014/main" id="{AFFD6C20-EE11-3556-8A38-E0DBECC52B63}"/>
+                <a16:creationId xmlns:a16="http://schemas.microsoft.com/office/drawing/2014/main" id="{79B1A69B-D2B3-A513-D92E-2070DD76B5EE}"/>
               </a:ext>
             </a:extLst>
           </p:cNvPr>
@@ -783,7 +783,7 @@
           <p:cNvPr id="3" name="内容占位符 2">
             <a:extLst>
               <a:ext uri="{FF2B5EF4-FFF2-40B4-BE49-F238E27FC236}">
-                <a16:creationId xmlns:a16="http://schemas.microsoft.com/office/drawing/2014/main" id="{7844C7ED-B98A-561D-DF7F-9CEEAA952F6D}"/>
+                <a16:creationId xmlns:a16="http://schemas.microsoft.com/office/drawing/2014/main" id="{14C04195-BE36-5EEE-6D0F-0C5D9F964516}"/>
               </a:ext>
             </a:extLst>
           </p:cNvPr>
@@ -840,7 +840,7 @@
           <p:cNvPr id="4" name="日期占位符 3">
             <a:extLst>
               <a:ext uri="{FF2B5EF4-FFF2-40B4-BE49-F238E27FC236}">
-                <a16:creationId xmlns:a16="http://schemas.microsoft.com/office/drawing/2014/main" id="{32282A0B-F821-7ADD-E6C0-96518B629685}"/>
+                <a16:creationId xmlns:a16="http://schemas.microsoft.com/office/drawing/2014/main" id="{7916CFAB-C8A7-23D3-DF84-9EDB38952017}"/>
               </a:ext>
             </a:extLst>
           </p:cNvPr>
@@ -856,7 +856,7 @@
           <a:bodyPr/>
           <a:lstStyle/>
           <a:p>
-            <a:fld id="{ECDF0BF8-C4FC-40E8-8448-FF4DB45EC977}" type="datetimeFigureOut">
+            <a:fld id="{FF1E498F-0326-403D-B15B-13A1256875DA}" type="datetimeFigureOut">
               <a:rPr lang="zh-CN" altLang="en-US" smtClean="0"/>
               <a:t>2024/3/10</a:t>
             </a:fld>
@@ -869,7 +869,7 @@
           <p:cNvPr id="5" name="页脚占位符 4">
             <a:extLst>
               <a:ext uri="{FF2B5EF4-FFF2-40B4-BE49-F238E27FC236}">
-                <a16:creationId xmlns:a16="http://schemas.microsoft.com/office/drawing/2014/main" id="{BE432555-46B6-0530-53B6-078970EFCBEC}"/>
+                <a16:creationId xmlns:a16="http://schemas.microsoft.com/office/drawing/2014/main" id="{3340D017-C8C9-4A24-16EB-253759602057}"/>
               </a:ext>
             </a:extLst>
           </p:cNvPr>
@@ -894,7 +894,7 @@
           <p:cNvPr id="6" name="灯片编号占位符 5">
             <a:extLst>
               <a:ext uri="{FF2B5EF4-FFF2-40B4-BE49-F238E27FC236}">
-                <a16:creationId xmlns:a16="http://schemas.microsoft.com/office/drawing/2014/main" id="{35720721-A8D7-32F9-91C1-AA254896A3FB}"/>
+                <a16:creationId xmlns:a16="http://schemas.microsoft.com/office/drawing/2014/main" id="{9C09B512-A782-38CB-A0F5-DB0EE439ABDE}"/>
               </a:ext>
             </a:extLst>
           </p:cNvPr>
@@ -910,7 +910,7 @@
           <a:bodyPr/>
           <a:lstStyle/>
           <a:p>
-            <a:fld id="{94AD3378-9226-4B94-AA15-5A7E5B0B3B26}" type="slidenum">
+            <a:fld id="{36A5948D-4012-402C-8C3C-43073AC98CC4}" type="slidenum">
               <a:rPr lang="zh-CN" altLang="en-US" smtClean="0"/>
               <a:t>‹#›</a:t>
             </a:fld>
@@ -921,7 +921,7 @@
     </p:spTree>
     <p:extLst>
       <p:ext uri="{BB962C8B-B14F-4D97-AF65-F5344CB8AC3E}">
-        <p14:creationId xmlns:p14="http://schemas.microsoft.com/office/powerpoint/2010/main" val="2792998564"/>
+        <p14:creationId xmlns:p14="http://schemas.microsoft.com/office/powerpoint/2010/main" val="1446041328"/>
       </p:ext>
     </p:extLst>
   </p:cSld>
@@ -953,7 +953,7 @@
           <p:cNvPr id="2" name="标题 1">
             <a:extLst>
               <a:ext uri="{FF2B5EF4-FFF2-40B4-BE49-F238E27FC236}">
-                <a16:creationId xmlns:a16="http://schemas.microsoft.com/office/drawing/2014/main" id="{0187CD62-0793-93A3-2C1C-11FF1503F380}"/>
+                <a16:creationId xmlns:a16="http://schemas.microsoft.com/office/drawing/2014/main" id="{39CF7205-667D-CEC9-9612-413351EA3FBF}"/>
               </a:ext>
             </a:extLst>
           </p:cNvPr>
@@ -990,7 +990,7 @@
           <p:cNvPr id="3" name="文本占位符 2">
             <a:extLst>
               <a:ext uri="{FF2B5EF4-FFF2-40B4-BE49-F238E27FC236}">
-                <a16:creationId xmlns:a16="http://schemas.microsoft.com/office/drawing/2014/main" id="{D48E4A77-4466-3286-B18F-D0CD2F681FF7}"/>
+                <a16:creationId xmlns:a16="http://schemas.microsoft.com/office/drawing/2014/main" id="{F723E5EA-6C10-5AC4-5BAE-34619C10ED0A}"/>
               </a:ext>
             </a:extLst>
           </p:cNvPr>
@@ -1115,7 +1115,7 @@
           <p:cNvPr id="4" name="日期占位符 3">
             <a:extLst>
               <a:ext uri="{FF2B5EF4-FFF2-40B4-BE49-F238E27FC236}">
-                <a16:creationId xmlns:a16="http://schemas.microsoft.com/office/drawing/2014/main" id="{0C5B397A-D350-AE1B-7086-089EFEB8CD0A}"/>
+                <a16:creationId xmlns:a16="http://schemas.microsoft.com/office/drawing/2014/main" id="{59402AAA-8D22-EEDC-A894-85F62AF46405}"/>
               </a:ext>
             </a:extLst>
           </p:cNvPr>
@@ -1131,7 +1131,7 @@
           <a:bodyPr/>
           <a:lstStyle/>
           <a:p>
-            <a:fld id="{ECDF0BF8-C4FC-40E8-8448-FF4DB45EC977}" type="datetimeFigureOut">
+            <a:fld id="{FF1E498F-0326-403D-B15B-13A1256875DA}" type="datetimeFigureOut">
               <a:rPr lang="zh-CN" altLang="en-US" smtClean="0"/>
               <a:t>2024/3/10</a:t>
             </a:fld>
@@ -1144,7 +1144,7 @@
           <p:cNvPr id="5" name="页脚占位符 4">
             <a:extLst>
               <a:ext uri="{FF2B5EF4-FFF2-40B4-BE49-F238E27FC236}">
-                <a16:creationId xmlns:a16="http://schemas.microsoft.com/office/drawing/2014/main" id="{C3D3B7B6-301B-C145-2923-BA809E1FC32D}"/>
+                <a16:creationId xmlns:a16="http://schemas.microsoft.com/office/drawing/2014/main" id="{50BB77E0-165E-68BF-4814-530B99CC5033}"/>
               </a:ext>
             </a:extLst>
           </p:cNvPr>
@@ -1169,7 +1169,7 @@
           <p:cNvPr id="6" name="灯片编号占位符 5">
             <a:extLst>
               <a:ext uri="{FF2B5EF4-FFF2-40B4-BE49-F238E27FC236}">
-                <a16:creationId xmlns:a16="http://schemas.microsoft.com/office/drawing/2014/main" id="{807E09A4-8DD4-F512-A6B2-3BA3D5DA165C}"/>
+                <a16:creationId xmlns:a16="http://schemas.microsoft.com/office/drawing/2014/main" id="{31C65C68-BB4D-513D-3016-A01F57918263}"/>
               </a:ext>
             </a:extLst>
           </p:cNvPr>
@@ -1185,7 +1185,7 @@
           <a:bodyPr/>
           <a:lstStyle/>
           <a:p>
-            <a:fld id="{94AD3378-9226-4B94-AA15-5A7E5B0B3B26}" type="slidenum">
+            <a:fld id="{36A5948D-4012-402C-8C3C-43073AC98CC4}" type="slidenum">
               <a:rPr lang="zh-CN" altLang="en-US" smtClean="0"/>
               <a:t>‹#›</a:t>
             </a:fld>
@@ -1196,7 +1196,7 @@
     </p:spTree>
     <p:extLst>
       <p:ext uri="{BB962C8B-B14F-4D97-AF65-F5344CB8AC3E}">
-        <p14:creationId xmlns:p14="http://schemas.microsoft.com/office/powerpoint/2010/main" val="2804363048"/>
+        <p14:creationId xmlns:p14="http://schemas.microsoft.com/office/powerpoint/2010/main" val="599839962"/>
       </p:ext>
     </p:extLst>
   </p:cSld>
@@ -1228,7 +1228,7 @@
           <p:cNvPr id="2" name="标题 1">
             <a:extLst>
               <a:ext uri="{FF2B5EF4-FFF2-40B4-BE49-F238E27FC236}">
-                <a16:creationId xmlns:a16="http://schemas.microsoft.com/office/drawing/2014/main" id="{8FAF6731-B468-5B1A-1D8F-F246287E60E3}"/>
+                <a16:creationId xmlns:a16="http://schemas.microsoft.com/office/drawing/2014/main" id="{5572E152-9191-BB83-1113-DE94D7ED3BEB}"/>
               </a:ext>
             </a:extLst>
           </p:cNvPr>
@@ -1256,7 +1256,7 @@
           <p:cNvPr id="3" name="内容占位符 2">
             <a:extLst>
               <a:ext uri="{FF2B5EF4-FFF2-40B4-BE49-F238E27FC236}">
-                <a16:creationId xmlns:a16="http://schemas.microsoft.com/office/drawing/2014/main" id="{ABE8E8BD-E6F5-DE48-B21C-732F9120C446}"/>
+                <a16:creationId xmlns:a16="http://schemas.microsoft.com/office/drawing/2014/main" id="{6C25E9CA-2804-215A-76F3-71BE7377938B}"/>
               </a:ext>
             </a:extLst>
           </p:cNvPr>
@@ -1318,7 +1318,7 @@
           <p:cNvPr id="4" name="内容占位符 3">
             <a:extLst>
               <a:ext uri="{FF2B5EF4-FFF2-40B4-BE49-F238E27FC236}">
-                <a16:creationId xmlns:a16="http://schemas.microsoft.com/office/drawing/2014/main" id="{5A0256F3-2FE1-8189-7CFF-5AF6E2C53625}"/>
+                <a16:creationId xmlns:a16="http://schemas.microsoft.com/office/drawing/2014/main" id="{08543EBB-44D3-0A8D-1D03-2DA593EF136C}"/>
               </a:ext>
             </a:extLst>
           </p:cNvPr>
@@ -1380,7 +1380,7 @@
           <p:cNvPr id="5" name="日期占位符 4">
             <a:extLst>
               <a:ext uri="{FF2B5EF4-FFF2-40B4-BE49-F238E27FC236}">
-                <a16:creationId xmlns:a16="http://schemas.microsoft.com/office/drawing/2014/main" id="{7D3C6E39-08C4-2D8C-A85E-3A1319802C41}"/>
+                <a16:creationId xmlns:a16="http://schemas.microsoft.com/office/drawing/2014/main" id="{45ADBB8F-7E8D-8643-E0EB-7CEAA3E1EA08}"/>
               </a:ext>
             </a:extLst>
           </p:cNvPr>
@@ -1396,7 +1396,7 @@
           <a:bodyPr/>
           <a:lstStyle/>
           <a:p>
-            <a:fld id="{ECDF0BF8-C4FC-40E8-8448-FF4DB45EC977}" type="datetimeFigureOut">
+            <a:fld id="{FF1E498F-0326-403D-B15B-13A1256875DA}" type="datetimeFigureOut">
               <a:rPr lang="zh-CN" altLang="en-US" smtClean="0"/>
               <a:t>2024/3/10</a:t>
             </a:fld>
@@ -1409,7 +1409,7 @@
           <p:cNvPr id="6" name="页脚占位符 5">
             <a:extLst>
               <a:ext uri="{FF2B5EF4-FFF2-40B4-BE49-F238E27FC236}">
-                <a16:creationId xmlns:a16="http://schemas.microsoft.com/office/drawing/2014/main" id="{D89D6754-9F98-90E0-959D-DF6490D2BD08}"/>
+                <a16:creationId xmlns:a16="http://schemas.microsoft.com/office/drawing/2014/main" id="{037E0002-DB7F-FF53-E4DD-6D1184EBBBFB}"/>
               </a:ext>
             </a:extLst>
           </p:cNvPr>
@@ -1434,7 +1434,7 @@
           <p:cNvPr id="7" name="灯片编号占位符 6">
             <a:extLst>
               <a:ext uri="{FF2B5EF4-FFF2-40B4-BE49-F238E27FC236}">
-                <a16:creationId xmlns:a16="http://schemas.microsoft.com/office/drawing/2014/main" id="{F9747E69-E044-C6ED-5D3E-6A8A0FA64673}"/>
+                <a16:creationId xmlns:a16="http://schemas.microsoft.com/office/drawing/2014/main" id="{E3AD675F-BBB0-F29C-0EEF-4426A235F9ED}"/>
               </a:ext>
             </a:extLst>
           </p:cNvPr>
@@ -1450,7 +1450,7 @@
           <a:bodyPr/>
           <a:lstStyle/>
           <a:p>
-            <a:fld id="{94AD3378-9226-4B94-AA15-5A7E5B0B3B26}" type="slidenum">
+            <a:fld id="{36A5948D-4012-402C-8C3C-43073AC98CC4}" type="slidenum">
               <a:rPr lang="zh-CN" altLang="en-US" smtClean="0"/>
               <a:t>‹#›</a:t>
             </a:fld>
@@ -1461,7 +1461,7 @@
     </p:spTree>
     <p:extLst>
       <p:ext uri="{BB962C8B-B14F-4D97-AF65-F5344CB8AC3E}">
-        <p14:creationId xmlns:p14="http://schemas.microsoft.com/office/powerpoint/2010/main" val="623858284"/>
+        <p14:creationId xmlns:p14="http://schemas.microsoft.com/office/powerpoint/2010/main" val="1321492359"/>
       </p:ext>
     </p:extLst>
   </p:cSld>
@@ -1493,7 +1493,7 @@
           <p:cNvPr id="2" name="标题 1">
             <a:extLst>
               <a:ext uri="{FF2B5EF4-FFF2-40B4-BE49-F238E27FC236}">
-                <a16:creationId xmlns:a16="http://schemas.microsoft.com/office/drawing/2014/main" id="{57B78348-D79E-A143-81C8-275631B82563}"/>
+                <a16:creationId xmlns:a16="http://schemas.microsoft.com/office/drawing/2014/main" id="{833CCE41-BEBD-F32B-DDA7-A54A25B9B6D5}"/>
               </a:ext>
             </a:extLst>
           </p:cNvPr>
@@ -1526,7 +1526,7 @@
           <p:cNvPr id="3" name="文本占位符 2">
             <a:extLst>
               <a:ext uri="{FF2B5EF4-FFF2-40B4-BE49-F238E27FC236}">
-                <a16:creationId xmlns:a16="http://schemas.microsoft.com/office/drawing/2014/main" id="{1F4EAB03-8E33-FD92-CEF5-3F96E14ADBFE}"/>
+                <a16:creationId xmlns:a16="http://schemas.microsoft.com/office/drawing/2014/main" id="{270AABA1-DC50-A9A0-02E7-9548DF0DD417}"/>
               </a:ext>
             </a:extLst>
           </p:cNvPr>
@@ -1597,7 +1597,7 @@
           <p:cNvPr id="4" name="内容占位符 3">
             <a:extLst>
               <a:ext uri="{FF2B5EF4-FFF2-40B4-BE49-F238E27FC236}">
-                <a16:creationId xmlns:a16="http://schemas.microsoft.com/office/drawing/2014/main" id="{A1254967-5895-4F80-FB41-E541C7A68295}"/>
+                <a16:creationId xmlns:a16="http://schemas.microsoft.com/office/drawing/2014/main" id="{8C0B7EA1-6374-37A6-AC95-8C07C4D10768}"/>
               </a:ext>
             </a:extLst>
           </p:cNvPr>
@@ -1659,7 +1659,7 @@
           <p:cNvPr id="5" name="文本占位符 4">
             <a:extLst>
               <a:ext uri="{FF2B5EF4-FFF2-40B4-BE49-F238E27FC236}">
-                <a16:creationId xmlns:a16="http://schemas.microsoft.com/office/drawing/2014/main" id="{24E7BDB8-FE82-D8AC-5B4C-89159EE16B3D}"/>
+                <a16:creationId xmlns:a16="http://schemas.microsoft.com/office/drawing/2014/main" id="{96CA4F01-EEA7-0AB7-DF34-E0FB466A0D86}"/>
               </a:ext>
             </a:extLst>
           </p:cNvPr>
@@ -1730,7 +1730,7 @@
           <p:cNvPr id="6" name="内容占位符 5">
             <a:extLst>
               <a:ext uri="{FF2B5EF4-FFF2-40B4-BE49-F238E27FC236}">
-                <a16:creationId xmlns:a16="http://schemas.microsoft.com/office/drawing/2014/main" id="{62CB355F-3965-8C50-D810-109FEAE9ECCA}"/>
+                <a16:creationId xmlns:a16="http://schemas.microsoft.com/office/drawing/2014/main" id="{DB03E3FD-0ED6-6C3A-D21F-7CB4A0A4F378}"/>
               </a:ext>
             </a:extLst>
           </p:cNvPr>
@@ -1792,7 +1792,7 @@
           <p:cNvPr id="7" name="日期占位符 6">
             <a:extLst>
               <a:ext uri="{FF2B5EF4-FFF2-40B4-BE49-F238E27FC236}">
-                <a16:creationId xmlns:a16="http://schemas.microsoft.com/office/drawing/2014/main" id="{A096E0EF-8DDB-E197-F6FE-8DA4BFCC9ACD}"/>
+                <a16:creationId xmlns:a16="http://schemas.microsoft.com/office/drawing/2014/main" id="{FD23DA89-EF13-FBE9-E855-D7E87877E220}"/>
               </a:ext>
             </a:extLst>
           </p:cNvPr>
@@ -1808,7 +1808,7 @@
           <a:bodyPr/>
           <a:lstStyle/>
           <a:p>
-            <a:fld id="{ECDF0BF8-C4FC-40E8-8448-FF4DB45EC977}" type="datetimeFigureOut">
+            <a:fld id="{FF1E498F-0326-403D-B15B-13A1256875DA}" type="datetimeFigureOut">
               <a:rPr lang="zh-CN" altLang="en-US" smtClean="0"/>
               <a:t>2024/3/10</a:t>
             </a:fld>
@@ -1821,7 +1821,7 @@
           <p:cNvPr id="8" name="页脚占位符 7">
             <a:extLst>
               <a:ext uri="{FF2B5EF4-FFF2-40B4-BE49-F238E27FC236}">
-                <a16:creationId xmlns:a16="http://schemas.microsoft.com/office/drawing/2014/main" id="{B46F5EC9-A3CD-A3F0-0DEE-CA72AA2E32BE}"/>
+                <a16:creationId xmlns:a16="http://schemas.microsoft.com/office/drawing/2014/main" id="{62C3F002-1FC4-DCBD-F02E-6C143B72B104}"/>
               </a:ext>
             </a:extLst>
           </p:cNvPr>
@@ -1846,7 +1846,7 @@
           <p:cNvPr id="9" name="灯片编号占位符 8">
             <a:extLst>
               <a:ext uri="{FF2B5EF4-FFF2-40B4-BE49-F238E27FC236}">
-                <a16:creationId xmlns:a16="http://schemas.microsoft.com/office/drawing/2014/main" id="{06E39200-C58B-16CB-DFA1-9BCA1C8F9DFB}"/>
+                <a16:creationId xmlns:a16="http://schemas.microsoft.com/office/drawing/2014/main" id="{D893644D-CAEC-0648-4BF8-E19E4F23D990}"/>
               </a:ext>
             </a:extLst>
           </p:cNvPr>
@@ -1862,7 +1862,7 @@
           <a:bodyPr/>
           <a:lstStyle/>
           <a:p>
-            <a:fld id="{94AD3378-9226-4B94-AA15-5A7E5B0B3B26}" type="slidenum">
+            <a:fld id="{36A5948D-4012-402C-8C3C-43073AC98CC4}" type="slidenum">
               <a:rPr lang="zh-CN" altLang="en-US" smtClean="0"/>
               <a:t>‹#›</a:t>
             </a:fld>
@@ -1873,7 +1873,7 @@
     </p:spTree>
     <p:extLst>
       <p:ext uri="{BB962C8B-B14F-4D97-AF65-F5344CB8AC3E}">
-        <p14:creationId xmlns:p14="http://schemas.microsoft.com/office/powerpoint/2010/main" val="4080584476"/>
+        <p14:creationId xmlns:p14="http://schemas.microsoft.com/office/powerpoint/2010/main" val="324514383"/>
       </p:ext>
     </p:extLst>
   </p:cSld>
@@ -1905,7 +1905,7 @@
           <p:cNvPr id="2" name="标题 1">
             <a:extLst>
               <a:ext uri="{FF2B5EF4-FFF2-40B4-BE49-F238E27FC236}">
-                <a16:creationId xmlns:a16="http://schemas.microsoft.com/office/drawing/2014/main" id="{37E949CA-1460-852B-9907-D43BDF27D351}"/>
+                <a16:creationId xmlns:a16="http://schemas.microsoft.com/office/drawing/2014/main" id="{6976020C-8B34-B211-E29A-FFBFB221F4E0}"/>
               </a:ext>
             </a:extLst>
           </p:cNvPr>
@@ -1933,7 +1933,7 @@
           <p:cNvPr id="3" name="日期占位符 2">
             <a:extLst>
               <a:ext uri="{FF2B5EF4-FFF2-40B4-BE49-F238E27FC236}">
-                <a16:creationId xmlns:a16="http://schemas.microsoft.com/office/drawing/2014/main" id="{ECAAF24F-64D3-6507-91CE-B2791A91FAF3}"/>
+                <a16:creationId xmlns:a16="http://schemas.microsoft.com/office/drawing/2014/main" id="{A823275E-1244-A425-B2FA-337578DB5741}"/>
               </a:ext>
             </a:extLst>
           </p:cNvPr>
@@ -1949,7 +1949,7 @@
           <a:bodyPr/>
           <a:lstStyle/>
           <a:p>
-            <a:fld id="{ECDF0BF8-C4FC-40E8-8448-FF4DB45EC977}" type="datetimeFigureOut">
+            <a:fld id="{FF1E498F-0326-403D-B15B-13A1256875DA}" type="datetimeFigureOut">
               <a:rPr lang="zh-CN" altLang="en-US" smtClean="0"/>
               <a:t>2024/3/10</a:t>
             </a:fld>
@@ -1962,7 +1962,7 @@
           <p:cNvPr id="4" name="页脚占位符 3">
             <a:extLst>
               <a:ext uri="{FF2B5EF4-FFF2-40B4-BE49-F238E27FC236}">
-                <a16:creationId xmlns:a16="http://schemas.microsoft.com/office/drawing/2014/main" id="{0B938060-DA83-1ACB-8F01-240621343D66}"/>
+                <a16:creationId xmlns:a16="http://schemas.microsoft.com/office/drawing/2014/main" id="{EFFDE06F-837B-BE72-CC6F-01375FB6FD14}"/>
               </a:ext>
             </a:extLst>
           </p:cNvPr>
@@ -1987,7 +1987,7 @@
           <p:cNvPr id="5" name="灯片编号占位符 4">
             <a:extLst>
               <a:ext uri="{FF2B5EF4-FFF2-40B4-BE49-F238E27FC236}">
-                <a16:creationId xmlns:a16="http://schemas.microsoft.com/office/drawing/2014/main" id="{74DBE0DC-4B25-0D1B-DB1A-E90F6A73553F}"/>
+                <a16:creationId xmlns:a16="http://schemas.microsoft.com/office/drawing/2014/main" id="{16343E76-1E9F-A3A9-3D35-DE95215F2279}"/>
               </a:ext>
             </a:extLst>
           </p:cNvPr>
@@ -2003,7 +2003,7 @@
           <a:bodyPr/>
           <a:lstStyle/>
           <a:p>
-            <a:fld id="{94AD3378-9226-4B94-AA15-5A7E5B0B3B26}" type="slidenum">
+            <a:fld id="{36A5948D-4012-402C-8C3C-43073AC98CC4}" type="slidenum">
               <a:rPr lang="zh-CN" altLang="en-US" smtClean="0"/>
               <a:t>‹#›</a:t>
             </a:fld>
@@ -2014,7 +2014,7 @@
     </p:spTree>
     <p:extLst>
       <p:ext uri="{BB962C8B-B14F-4D97-AF65-F5344CB8AC3E}">
-        <p14:creationId xmlns:p14="http://schemas.microsoft.com/office/powerpoint/2010/main" val="343450314"/>
+        <p14:creationId xmlns:p14="http://schemas.microsoft.com/office/powerpoint/2010/main" val="612918863"/>
       </p:ext>
     </p:extLst>
   </p:cSld>
@@ -2046,7 +2046,7 @@
           <p:cNvPr id="2" name="日期占位符 1">
             <a:extLst>
               <a:ext uri="{FF2B5EF4-FFF2-40B4-BE49-F238E27FC236}">
-                <a16:creationId xmlns:a16="http://schemas.microsoft.com/office/drawing/2014/main" id="{5B7D19D8-1875-15CE-76E4-762F779FD5C2}"/>
+                <a16:creationId xmlns:a16="http://schemas.microsoft.com/office/drawing/2014/main" id="{85CEEE60-293A-C778-57A8-ABFEC20CAC20}"/>
               </a:ext>
             </a:extLst>
           </p:cNvPr>
@@ -2062,7 +2062,7 @@
           <a:bodyPr/>
           <a:lstStyle/>
           <a:p>
-            <a:fld id="{ECDF0BF8-C4FC-40E8-8448-FF4DB45EC977}" type="datetimeFigureOut">
+            <a:fld id="{FF1E498F-0326-403D-B15B-13A1256875DA}" type="datetimeFigureOut">
               <a:rPr lang="zh-CN" altLang="en-US" smtClean="0"/>
               <a:t>2024/3/10</a:t>
             </a:fld>
@@ -2075,7 +2075,7 @@
           <p:cNvPr id="3" name="页脚占位符 2">
             <a:extLst>
               <a:ext uri="{FF2B5EF4-FFF2-40B4-BE49-F238E27FC236}">
-                <a16:creationId xmlns:a16="http://schemas.microsoft.com/office/drawing/2014/main" id="{E77A9BF6-BBA5-B1B9-93C8-6701CA269412}"/>
+                <a16:creationId xmlns:a16="http://schemas.microsoft.com/office/drawing/2014/main" id="{4FADFEFA-7855-838D-0A58-62D2C8603C59}"/>
               </a:ext>
             </a:extLst>
           </p:cNvPr>
@@ -2100,7 +2100,7 @@
           <p:cNvPr id="4" name="灯片编号占位符 3">
             <a:extLst>
               <a:ext uri="{FF2B5EF4-FFF2-40B4-BE49-F238E27FC236}">
-                <a16:creationId xmlns:a16="http://schemas.microsoft.com/office/drawing/2014/main" id="{E113CB6B-371E-4E61-3875-A37E8F958A4F}"/>
+                <a16:creationId xmlns:a16="http://schemas.microsoft.com/office/drawing/2014/main" id="{F7D8B1A3-1EC3-7B38-A486-0104185B298F}"/>
               </a:ext>
             </a:extLst>
           </p:cNvPr>
@@ -2116,7 +2116,7 @@
           <a:bodyPr/>
           <a:lstStyle/>
           <a:p>
-            <a:fld id="{94AD3378-9226-4B94-AA15-5A7E5B0B3B26}" type="slidenum">
+            <a:fld id="{36A5948D-4012-402C-8C3C-43073AC98CC4}" type="slidenum">
               <a:rPr lang="zh-CN" altLang="en-US" smtClean="0"/>
               <a:t>‹#›</a:t>
             </a:fld>
@@ -2127,7 +2127,7 @@
     </p:spTree>
     <p:extLst>
       <p:ext uri="{BB962C8B-B14F-4D97-AF65-F5344CB8AC3E}">
-        <p14:creationId xmlns:p14="http://schemas.microsoft.com/office/powerpoint/2010/main" val="1753260"/>
+        <p14:creationId xmlns:p14="http://schemas.microsoft.com/office/powerpoint/2010/main" val="1413457790"/>
       </p:ext>
     </p:extLst>
   </p:cSld>
@@ -2159,7 +2159,7 @@
           <p:cNvPr id="2" name="标题 1">
             <a:extLst>
               <a:ext uri="{FF2B5EF4-FFF2-40B4-BE49-F238E27FC236}">
-                <a16:creationId xmlns:a16="http://schemas.microsoft.com/office/drawing/2014/main" id="{DDF01DB5-37BA-8CBD-4DE1-C38CA4CD0921}"/>
+                <a16:creationId xmlns:a16="http://schemas.microsoft.com/office/drawing/2014/main" id="{91EDD7C6-6647-27DC-F85F-E5F75F2A0C9E}"/>
               </a:ext>
             </a:extLst>
           </p:cNvPr>
@@ -2196,7 +2196,7 @@
           <p:cNvPr id="3" name="内容占位符 2">
             <a:extLst>
               <a:ext uri="{FF2B5EF4-FFF2-40B4-BE49-F238E27FC236}">
-                <a16:creationId xmlns:a16="http://schemas.microsoft.com/office/drawing/2014/main" id="{D8C5B8C2-0415-08FE-374D-C9801506D9D1}"/>
+                <a16:creationId xmlns:a16="http://schemas.microsoft.com/office/drawing/2014/main" id="{5C999966-4EC4-3263-1BF0-E4E6D791AA8F}"/>
               </a:ext>
             </a:extLst>
           </p:cNvPr>
@@ -2286,7 +2286,7 @@
           <p:cNvPr id="4" name="文本占位符 3">
             <a:extLst>
               <a:ext uri="{FF2B5EF4-FFF2-40B4-BE49-F238E27FC236}">
-                <a16:creationId xmlns:a16="http://schemas.microsoft.com/office/drawing/2014/main" id="{988DD256-BE64-9786-FF6A-73DCF081FF09}"/>
+                <a16:creationId xmlns:a16="http://schemas.microsoft.com/office/drawing/2014/main" id="{C38C07B2-F607-1B89-84EE-3363764F7460}"/>
               </a:ext>
             </a:extLst>
           </p:cNvPr>
@@ -2357,7 +2357,7 @@
           <p:cNvPr id="5" name="日期占位符 4">
             <a:extLst>
               <a:ext uri="{FF2B5EF4-FFF2-40B4-BE49-F238E27FC236}">
-                <a16:creationId xmlns:a16="http://schemas.microsoft.com/office/drawing/2014/main" id="{6963D707-752A-1C3C-FE8A-6786075E62B4}"/>
+                <a16:creationId xmlns:a16="http://schemas.microsoft.com/office/drawing/2014/main" id="{68AC5DC6-18A0-F77B-2A14-014F7A5CC0B3}"/>
               </a:ext>
             </a:extLst>
           </p:cNvPr>
@@ -2373,7 +2373,7 @@
           <a:bodyPr/>
           <a:lstStyle/>
           <a:p>
-            <a:fld id="{ECDF0BF8-C4FC-40E8-8448-FF4DB45EC977}" type="datetimeFigureOut">
+            <a:fld id="{FF1E498F-0326-403D-B15B-13A1256875DA}" type="datetimeFigureOut">
               <a:rPr lang="zh-CN" altLang="en-US" smtClean="0"/>
               <a:t>2024/3/10</a:t>
             </a:fld>
@@ -2386,7 +2386,7 @@
           <p:cNvPr id="6" name="页脚占位符 5">
             <a:extLst>
               <a:ext uri="{FF2B5EF4-FFF2-40B4-BE49-F238E27FC236}">
-                <a16:creationId xmlns:a16="http://schemas.microsoft.com/office/drawing/2014/main" id="{22986EDE-9ECA-B17A-D31E-D2EE39E990AC}"/>
+                <a16:creationId xmlns:a16="http://schemas.microsoft.com/office/drawing/2014/main" id="{8A614D87-38DE-6773-4521-95754FFEB3DD}"/>
               </a:ext>
             </a:extLst>
           </p:cNvPr>
@@ -2411,7 +2411,7 @@
           <p:cNvPr id="7" name="灯片编号占位符 6">
             <a:extLst>
               <a:ext uri="{FF2B5EF4-FFF2-40B4-BE49-F238E27FC236}">
-                <a16:creationId xmlns:a16="http://schemas.microsoft.com/office/drawing/2014/main" id="{5D4AEA14-65AA-C9C4-BFB2-87BDDED75312}"/>
+                <a16:creationId xmlns:a16="http://schemas.microsoft.com/office/drawing/2014/main" id="{2D53BB4C-13A9-6570-060B-51DA9050A7E7}"/>
               </a:ext>
             </a:extLst>
           </p:cNvPr>
@@ -2427,7 +2427,7 @@
           <a:bodyPr/>
           <a:lstStyle/>
           <a:p>
-            <a:fld id="{94AD3378-9226-4B94-AA15-5A7E5B0B3B26}" type="slidenum">
+            <a:fld id="{36A5948D-4012-402C-8C3C-43073AC98CC4}" type="slidenum">
               <a:rPr lang="zh-CN" altLang="en-US" smtClean="0"/>
               <a:t>‹#›</a:t>
             </a:fld>
@@ -2438,7 +2438,7 @@
     </p:spTree>
     <p:extLst>
       <p:ext uri="{BB962C8B-B14F-4D97-AF65-F5344CB8AC3E}">
-        <p14:creationId xmlns:p14="http://schemas.microsoft.com/office/powerpoint/2010/main" val="2655561937"/>
+        <p14:creationId xmlns:p14="http://schemas.microsoft.com/office/powerpoint/2010/main" val="2620521674"/>
       </p:ext>
     </p:extLst>
   </p:cSld>
@@ -2470,7 +2470,7 @@
           <p:cNvPr id="2" name="标题 1">
             <a:extLst>
               <a:ext uri="{FF2B5EF4-FFF2-40B4-BE49-F238E27FC236}">
-                <a16:creationId xmlns:a16="http://schemas.microsoft.com/office/drawing/2014/main" id="{6EBE240C-2B6F-1D1C-E472-7A0C73D9A71C}"/>
+                <a16:creationId xmlns:a16="http://schemas.microsoft.com/office/drawing/2014/main" id="{42B0F238-C7D5-EBC2-7F30-561A69CA42C8}"/>
               </a:ext>
             </a:extLst>
           </p:cNvPr>
@@ -2507,7 +2507,7 @@
           <p:cNvPr id="3" name="图片占位符 2">
             <a:extLst>
               <a:ext uri="{FF2B5EF4-FFF2-40B4-BE49-F238E27FC236}">
-                <a16:creationId xmlns:a16="http://schemas.microsoft.com/office/drawing/2014/main" id="{31D4F10E-5F57-EC72-D2B4-4E0B8D607D17}"/>
+                <a16:creationId xmlns:a16="http://schemas.microsoft.com/office/drawing/2014/main" id="{B774001F-784B-1A55-D955-E349A36EBA77}"/>
               </a:ext>
             </a:extLst>
           </p:cNvPr>
@@ -2574,7 +2574,7 @@
           <p:cNvPr id="4" name="文本占位符 3">
             <a:extLst>
               <a:ext uri="{FF2B5EF4-FFF2-40B4-BE49-F238E27FC236}">
-                <a16:creationId xmlns:a16="http://schemas.microsoft.com/office/drawing/2014/main" id="{502A1BE4-94FB-216D-26D4-27680056F4A6}"/>
+                <a16:creationId xmlns:a16="http://schemas.microsoft.com/office/drawing/2014/main" id="{5E58333A-222B-612A-FFC6-F13750EFAC64}"/>
               </a:ext>
             </a:extLst>
           </p:cNvPr>
@@ -2645,7 +2645,7 @@
           <p:cNvPr id="5" name="日期占位符 4">
             <a:extLst>
               <a:ext uri="{FF2B5EF4-FFF2-40B4-BE49-F238E27FC236}">
-                <a16:creationId xmlns:a16="http://schemas.microsoft.com/office/drawing/2014/main" id="{29480A3C-FB78-E55E-B31A-A779F2E55EAA}"/>
+                <a16:creationId xmlns:a16="http://schemas.microsoft.com/office/drawing/2014/main" id="{C05191E8-E305-4311-B51D-51A87AB12865}"/>
               </a:ext>
             </a:extLst>
           </p:cNvPr>
@@ -2661,7 +2661,7 @@
           <a:bodyPr/>
           <a:lstStyle/>
           <a:p>
-            <a:fld id="{ECDF0BF8-C4FC-40E8-8448-FF4DB45EC977}" type="datetimeFigureOut">
+            <a:fld id="{FF1E498F-0326-403D-B15B-13A1256875DA}" type="datetimeFigureOut">
               <a:rPr lang="zh-CN" altLang="en-US" smtClean="0"/>
               <a:t>2024/3/10</a:t>
             </a:fld>
@@ -2674,7 +2674,7 @@
           <p:cNvPr id="6" name="页脚占位符 5">
             <a:extLst>
               <a:ext uri="{FF2B5EF4-FFF2-40B4-BE49-F238E27FC236}">
-                <a16:creationId xmlns:a16="http://schemas.microsoft.com/office/drawing/2014/main" id="{24661F21-C74E-62B2-0012-B5A9C8776F30}"/>
+                <a16:creationId xmlns:a16="http://schemas.microsoft.com/office/drawing/2014/main" id="{86F84623-8313-75A5-A5C0-28349C619FA4}"/>
               </a:ext>
             </a:extLst>
           </p:cNvPr>
@@ -2699,7 +2699,7 @@
           <p:cNvPr id="7" name="灯片编号占位符 6">
             <a:extLst>
               <a:ext uri="{FF2B5EF4-FFF2-40B4-BE49-F238E27FC236}">
-                <a16:creationId xmlns:a16="http://schemas.microsoft.com/office/drawing/2014/main" id="{1DE1A3C0-6A0F-31B3-DC8C-AA3DF201B2CC}"/>
+                <a16:creationId xmlns:a16="http://schemas.microsoft.com/office/drawing/2014/main" id="{DFA97BEF-692E-FB59-438B-C7F36F4A1C2B}"/>
               </a:ext>
             </a:extLst>
           </p:cNvPr>
@@ -2715,7 +2715,7 @@
           <a:bodyPr/>
           <a:lstStyle/>
           <a:p>
-            <a:fld id="{94AD3378-9226-4B94-AA15-5A7E5B0B3B26}" type="slidenum">
+            <a:fld id="{36A5948D-4012-402C-8C3C-43073AC98CC4}" type="slidenum">
               <a:rPr lang="zh-CN" altLang="en-US" smtClean="0"/>
               <a:t>‹#›</a:t>
             </a:fld>
@@ -2726,7 +2726,7 @@
     </p:spTree>
     <p:extLst>
       <p:ext uri="{BB962C8B-B14F-4D97-AF65-F5344CB8AC3E}">
-        <p14:creationId xmlns:p14="http://schemas.microsoft.com/office/powerpoint/2010/main" val="2913589441"/>
+        <p14:creationId xmlns:p14="http://schemas.microsoft.com/office/powerpoint/2010/main" val="1300525260"/>
       </p:ext>
     </p:extLst>
   </p:cSld>
@@ -2763,7 +2763,7 @@
           <p:cNvPr id="2" name="标题占位符 1">
             <a:extLst>
               <a:ext uri="{FF2B5EF4-FFF2-40B4-BE49-F238E27FC236}">
-                <a16:creationId xmlns:a16="http://schemas.microsoft.com/office/drawing/2014/main" id="{BDB190B7-B950-24A0-94F4-9BA3C4527863}"/>
+                <a16:creationId xmlns:a16="http://schemas.microsoft.com/office/drawing/2014/main" id="{FD2C1831-D366-23CF-DE5D-890987215941}"/>
               </a:ext>
             </a:extLst>
           </p:cNvPr>
@@ -2801,7 +2801,7 @@
           <p:cNvPr id="3" name="文本占位符 2">
             <a:extLst>
               <a:ext uri="{FF2B5EF4-FFF2-40B4-BE49-F238E27FC236}">
-                <a16:creationId xmlns:a16="http://schemas.microsoft.com/office/drawing/2014/main" id="{DA5FBCF1-6EE2-81E7-A016-A5D33D88B28B}"/>
+                <a16:creationId xmlns:a16="http://schemas.microsoft.com/office/drawing/2014/main" id="{12E706D6-8585-55A2-6339-12A06F194022}"/>
               </a:ext>
             </a:extLst>
           </p:cNvPr>
@@ -2868,7 +2868,7 @@
           <p:cNvPr id="4" name="日期占位符 3">
             <a:extLst>
               <a:ext uri="{FF2B5EF4-FFF2-40B4-BE49-F238E27FC236}">
-                <a16:creationId xmlns:a16="http://schemas.microsoft.com/office/drawing/2014/main" id="{91F5BD0A-4B7C-5FDB-4A8A-4E28D5ADA97F}"/>
+                <a16:creationId xmlns:a16="http://schemas.microsoft.com/office/drawing/2014/main" id="{8FB65D0B-0027-9F04-8B86-9AC2EDA619E0}"/>
               </a:ext>
             </a:extLst>
           </p:cNvPr>
@@ -2902,7 +2902,7 @@
             </a:lvl1pPr>
           </a:lstStyle>
           <a:p>
-            <a:fld id="{ECDF0BF8-C4FC-40E8-8448-FF4DB45EC977}" type="datetimeFigureOut">
+            <a:fld id="{FF1E498F-0326-403D-B15B-13A1256875DA}" type="datetimeFigureOut">
               <a:rPr lang="zh-CN" altLang="en-US" smtClean="0"/>
               <a:t>2024/3/10</a:t>
             </a:fld>
@@ -2915,7 +2915,7 @@
           <p:cNvPr id="5" name="页脚占位符 4">
             <a:extLst>
               <a:ext uri="{FF2B5EF4-FFF2-40B4-BE49-F238E27FC236}">
-                <a16:creationId xmlns:a16="http://schemas.microsoft.com/office/drawing/2014/main" id="{6EFA590A-B06B-A5C3-2AAF-A0D91BB93181}"/>
+                <a16:creationId xmlns:a16="http://schemas.microsoft.com/office/drawing/2014/main" id="{202212A2-03CC-2358-BE78-51CECB8D5EED}"/>
               </a:ext>
             </a:extLst>
           </p:cNvPr>
@@ -2958,7 +2958,7 @@
           <p:cNvPr id="6" name="灯片编号占位符 5">
             <a:extLst>
               <a:ext uri="{FF2B5EF4-FFF2-40B4-BE49-F238E27FC236}">
-                <a16:creationId xmlns:a16="http://schemas.microsoft.com/office/drawing/2014/main" id="{EBB4494C-681C-91CF-DD53-EF2CA4840476}"/>
+                <a16:creationId xmlns:a16="http://schemas.microsoft.com/office/drawing/2014/main" id="{E7EBF51F-3985-5E96-B117-1C9E084596AC}"/>
               </a:ext>
             </a:extLst>
           </p:cNvPr>
@@ -2992,7 +2992,7 @@
             </a:lvl1pPr>
           </a:lstStyle>
           <a:p>
-            <a:fld id="{94AD3378-9226-4B94-AA15-5A7E5B0B3B26}" type="slidenum">
+            <a:fld id="{36A5948D-4012-402C-8C3C-43073AC98CC4}" type="slidenum">
               <a:rPr lang="zh-CN" altLang="en-US" smtClean="0"/>
               <a:t>‹#›</a:t>
             </a:fld>
@@ -3003,7 +3003,7 @@
     </p:spTree>
     <p:extLst>
       <p:ext uri="{BB962C8B-B14F-4D97-AF65-F5344CB8AC3E}">
-        <p14:creationId xmlns:p14="http://schemas.microsoft.com/office/powerpoint/2010/main" val="1428481151"/>
+        <p14:creationId xmlns:p14="http://schemas.microsoft.com/office/powerpoint/2010/main" val="546678814"/>
       </p:ext>
     </p:extLst>
   </p:cSld>
@@ -3323,7 +3323,7 @@
       </p:grpSpPr>
       <p:pic>
         <p:nvPicPr>
-          <p:cNvPr id="1631234" name="Picture 2" descr="1592"/>
+          <p:cNvPr id="1632258" name="Picture 2" descr="1593"/>
           <p:cNvPicPr>
             <a:picLocks noChangeAspect="1" noChangeArrowheads="1"/>
           </p:cNvPicPr>
@@ -3344,8 +3344,8 @@
         </p:blipFill>
         <p:spPr bwMode="auto">
           <a:xfrm>
-            <a:off x="1543050" y="14288"/>
-            <a:ext cx="9124950" cy="6843712"/>
+            <a:off x="1524000" y="0"/>
+            <a:ext cx="9144000" cy="4292600"/>
           </a:xfrm>
           <a:prstGeom prst="rect">
             <a:avLst/>
@@ -3375,158 +3375,11 @@
           </a:extLst>
         </p:spPr>
       </p:pic>
-      <p:pic>
-        <p:nvPicPr>
-          <p:cNvPr id="1632259" name="Picture 3" descr="1592-2"/>
-          <p:cNvPicPr>
-            <a:picLocks noChangeAspect="1" noChangeArrowheads="1"/>
-          </p:cNvPicPr>
-          <p:nvPr/>
-        </p:nvPicPr>
-        <p:blipFill>
-          <a:blip r:embed="rId3">
-            <a:extLst>
-              <a:ext uri="{28A0092B-C50C-407E-A947-70E740481C1C}">
-                <a14:useLocalDpi xmlns:a14="http://schemas.microsoft.com/office/drawing/2010/main" val="0"/>
-              </a:ext>
-            </a:extLst>
-          </a:blip>
-          <a:srcRect/>
-          <a:stretch>
-            <a:fillRect/>
-          </a:stretch>
-        </p:blipFill>
-        <p:spPr bwMode="auto">
-          <a:xfrm>
-            <a:off x="1524000" y="15876"/>
-            <a:ext cx="9145588" cy="6842125"/>
-          </a:xfrm>
-          <a:prstGeom prst="rect">
-            <a:avLst/>
-          </a:prstGeom>
-          <a:noFill/>
-          <a:ln>
-            <a:noFill/>
-          </a:ln>
-          <a:effectLst/>
-          <a:extLst>
-            <a:ext uri="{909E8E84-426E-40DD-AFC4-6F175D3DCCD1}">
-              <a14:hiddenFill xmlns:a14="http://schemas.microsoft.com/office/drawing/2010/main">
-                <a:solidFill>
-                  <a:srgbClr val="FFFFFF"/>
-                </a:solidFill>
-              </a14:hiddenFill>
-            </a:ext>
-            <a:ext uri="{91240B29-F687-4F45-9708-019B960494DF}">
-              <a14:hiddenLine xmlns:a14="http://schemas.microsoft.com/office/drawing/2010/main" w="9525">
-                <a:solidFill>
-                  <a:srgbClr val="000000"/>
-                </a:solidFill>
-                <a:miter lim="800000"/>
-                <a:headEnd/>
-                <a:tailEnd/>
-              </a14:hiddenLine>
-            </a:ext>
-            <a:ext uri="{AF507438-7753-43E0-B8FC-AC1667EBCBE1}">
-              <a14:hiddenEffects xmlns:a14="http://schemas.microsoft.com/office/drawing/2010/main">
-                <a:effectLst>
-                  <a:outerShdw dist="35921" dir="2700000" algn="ctr" rotWithShape="0">
-                    <a:srgbClr val="808080"/>
-                  </a:outerShdw>
-                </a:effectLst>
-              </a14:hiddenEffects>
-            </a:ext>
-          </a:extLst>
-        </p:spPr>
-      </p:pic>
     </p:spTree>
   </p:cSld>
   <p:clrMapOvr>
     <a:masterClrMapping/>
   </p:clrMapOvr>
-  <p:timing>
-    <p:tnLst>
-      <p:par>
-        <p:cTn id="1" dur="indefinite" restart="never" nodeType="tmRoot">
-          <p:childTnLst>
-            <p:seq concurrent="1" nextAc="seek">
-              <p:cTn id="2" dur="indefinite" nodeType="mainSeq">
-                <p:childTnLst>
-                  <p:par>
-                    <p:cTn id="3" fill="hold" nodeType="clickPar">
-                      <p:stCondLst>
-                        <p:cond delay="indefinite"/>
-                      </p:stCondLst>
-                      <p:childTnLst>
-                        <p:par>
-                          <p:cTn id="4" fill="hold" nodeType="withGroup">
-                            <p:stCondLst>
-                              <p:cond delay="0"/>
-                            </p:stCondLst>
-                            <p:childTnLst>
-                              <p:par>
-                                <p:cTn id="5" presetID="10" presetClass="entr" presetSubtype="0" fill="hold" nodeType="clickEffect">
-                                  <p:stCondLst>
-                                    <p:cond delay="0"/>
-                                  </p:stCondLst>
-                                  <p:childTnLst>
-                                    <p:set>
-                                      <p:cBhvr>
-                                        <p:cTn id="6" dur="1" fill="hold">
-                                          <p:stCondLst>
-                                            <p:cond delay="0"/>
-                                          </p:stCondLst>
-                                        </p:cTn>
-                                        <p:tgtEl>
-                                          <p:spTgt spid="1632259"/>
-                                        </p:tgtEl>
-                                        <p:attrNameLst>
-                                          <p:attrName>style.visibility</p:attrName>
-                                        </p:attrNameLst>
-                                      </p:cBhvr>
-                                      <p:to>
-                                        <p:strVal val="visible"/>
-                                      </p:to>
-                                    </p:set>
-                                    <p:animEffect transition="in" filter="fade">
-                                      <p:cBhvr>
-                                        <p:cTn id="7" dur="500"/>
-                                        <p:tgtEl>
-                                          <p:spTgt spid="1632259"/>
-                                        </p:tgtEl>
-                                      </p:cBhvr>
-                                    </p:animEffect>
-                                  </p:childTnLst>
-                                </p:cTn>
-                              </p:par>
-                            </p:childTnLst>
-                          </p:cTn>
-                        </p:par>
-                      </p:childTnLst>
-                    </p:cTn>
-                  </p:par>
-                </p:childTnLst>
-              </p:cTn>
-              <p:prevCondLst>
-                <p:cond evt="onPrev" delay="0">
-                  <p:tgtEl>
-                    <p:sldTgt/>
-                  </p:tgtEl>
-                </p:cond>
-              </p:prevCondLst>
-              <p:nextCondLst>
-                <p:cond evt="onNext" delay="0">
-                  <p:tgtEl>
-                    <p:sldTgt/>
-                  </p:tgtEl>
-                </p:cond>
-              </p:nextCondLst>
-            </p:seq>
-          </p:childTnLst>
-        </p:cTn>
-      </p:par>
-    </p:tnLst>
-  </p:timing>
 </p:sld>
 </file>
 
